--- a/session3/Debugging Workshop 3.pptx
+++ b/session3/Debugging Workshop 3.pptx
@@ -5,15 +5,23 @@
     <p:sldMasterId id="2147483648" r:id="rId1"/>
   </p:sldMasterIdLst>
   <p:notesMasterIdLst>
-    <p:notesMasterId r:id="rId8"/>
+    <p:notesMasterId r:id="rId16"/>
   </p:notesMasterIdLst>
   <p:sldIdLst>
     <p:sldId id="256" r:id="rId2"/>
     <p:sldId id="289" r:id="rId3"/>
     <p:sldId id="290" r:id="rId4"/>
     <p:sldId id="291" r:id="rId5"/>
-    <p:sldId id="287" r:id="rId6"/>
-    <p:sldId id="288" r:id="rId7"/>
+    <p:sldId id="292" r:id="rId6"/>
+    <p:sldId id="293" r:id="rId7"/>
+    <p:sldId id="294" r:id="rId8"/>
+    <p:sldId id="295" r:id="rId9"/>
+    <p:sldId id="296" r:id="rId10"/>
+    <p:sldId id="297" r:id="rId11"/>
+    <p:sldId id="298" r:id="rId12"/>
+    <p:sldId id="299" r:id="rId13"/>
+    <p:sldId id="287" r:id="rId14"/>
+    <p:sldId id="288" r:id="rId15"/>
   </p:sldIdLst>
   <p:sldSz cx="9144000" cy="6858000" type="screen4x3"/>
   <p:notesSz cx="6858000" cy="9144000"/>
@@ -242,7 +250,7 @@
               <a:pPr>
                 <a:defRPr/>
               </a:pPr>
-              <a:t>2015/12/10 Thursday</a:t>
+              <a:t>2015/12/12 Saturday</a:t>
             </a:fld>
             <a:endParaRPr lang="zh-CN" altLang="en-US"/>
           </a:p>
@@ -743,7 +751,7 @@
               <a:pPr>
                 <a:defRPr/>
               </a:pPr>
-              <a:t>2015/12/10 Thursday</a:t>
+              <a:t>2015/12/12 Saturday</a:t>
             </a:fld>
             <a:endParaRPr lang="zh-CN" altLang="en-US"/>
           </a:p>
@@ -935,7 +943,7 @@
               <a:pPr>
                 <a:defRPr/>
               </a:pPr>
-              <a:t>2015/12/10 Thursday</a:t>
+              <a:t>2015/12/12 Saturday</a:t>
             </a:fld>
             <a:endParaRPr lang="zh-CN" altLang="en-US"/>
           </a:p>
@@ -1137,7 +1145,7 @@
               <a:pPr>
                 <a:defRPr/>
               </a:pPr>
-              <a:t>2015/12/10 Thursday</a:t>
+              <a:t>2015/12/12 Saturday</a:t>
             </a:fld>
             <a:endParaRPr lang="zh-CN" altLang="en-US"/>
           </a:p>
@@ -1329,7 +1337,7 @@
               <a:pPr>
                 <a:defRPr/>
               </a:pPr>
-              <a:t>2015/12/10 Thursday</a:t>
+              <a:t>2015/12/12 Saturday</a:t>
             </a:fld>
             <a:endParaRPr lang="zh-CN" altLang="en-US"/>
           </a:p>
@@ -1597,7 +1605,7 @@
               <a:pPr>
                 <a:defRPr/>
               </a:pPr>
-              <a:t>2015/12/10 Thursday</a:t>
+              <a:t>2015/12/12 Saturday</a:t>
             </a:fld>
             <a:endParaRPr lang="zh-CN" altLang="en-US"/>
           </a:p>
@@ -1907,7 +1915,7 @@
               <a:pPr>
                 <a:defRPr/>
               </a:pPr>
-              <a:t>2015/12/10 Thursday</a:t>
+              <a:t>2015/12/12 Saturday</a:t>
             </a:fld>
             <a:endParaRPr lang="zh-CN" altLang="en-US"/>
           </a:p>
@@ -2351,7 +2359,7 @@
               <a:pPr>
                 <a:defRPr/>
               </a:pPr>
-              <a:t>2015/12/10 Thursday</a:t>
+              <a:t>2015/12/12 Saturday</a:t>
             </a:fld>
             <a:endParaRPr lang="zh-CN" altLang="en-US"/>
           </a:p>
@@ -2491,7 +2499,7 @@
               <a:pPr>
                 <a:defRPr/>
               </a:pPr>
-              <a:t>2015/12/10 Thursday</a:t>
+              <a:t>2015/12/12 Saturday</a:t>
             </a:fld>
             <a:endParaRPr lang="zh-CN" altLang="en-US"/>
           </a:p>
@@ -2608,7 +2616,7 @@
               <a:pPr>
                 <a:defRPr/>
               </a:pPr>
-              <a:t>2015/12/10 Thursday</a:t>
+              <a:t>2015/12/12 Saturday</a:t>
             </a:fld>
             <a:endParaRPr lang="zh-CN" altLang="en-US"/>
           </a:p>
@@ -2907,7 +2915,7 @@
               <a:pPr>
                 <a:defRPr/>
               </a:pPr>
-              <a:t>2015/12/10 Thursday</a:t>
+              <a:t>2015/12/12 Saturday</a:t>
             </a:fld>
             <a:endParaRPr lang="zh-CN" altLang="en-US"/>
           </a:p>
@@ -3185,7 +3193,7 @@
               <a:pPr>
                 <a:defRPr/>
               </a:pPr>
-              <a:t>2015/12/10 Thursday</a:t>
+              <a:t>2015/12/12 Saturday</a:t>
             </a:fld>
             <a:endParaRPr lang="zh-CN" altLang="en-US"/>
           </a:p>
@@ -3441,7 +3449,7 @@
               <a:pPr>
                 <a:defRPr/>
               </a:pPr>
-              <a:t>2015/12/10 Thursday</a:t>
+              <a:t>2015/12/12 Saturday</a:t>
             </a:fld>
             <a:endParaRPr lang="zh-CN" altLang="en-US"/>
           </a:p>
@@ -4091,6 +4099,689 @@
 </p:sld>
 </file>
 
+<file path=ppt/slides/slide10.xml><?xml version="1.0" encoding="utf-8"?>
+<p:sld xmlns:a="http://schemas.openxmlformats.org/drawingml/2006/main" xmlns:r="http://schemas.openxmlformats.org/officeDocument/2006/relationships" xmlns:p="http://schemas.openxmlformats.org/presentationml/2006/main">
+  <p:cSld>
+    <p:spTree>
+      <p:nvGrpSpPr>
+        <p:cNvPr id="1" name=""/>
+        <p:cNvGrpSpPr/>
+        <p:nvPr/>
+      </p:nvGrpSpPr>
+      <p:grpSpPr>
+        <a:xfrm>
+          <a:off x="0" y="0"/>
+          <a:ext cx="0" cy="0"/>
+          <a:chOff x="0" y="0"/>
+          <a:chExt cx="0" cy="0"/>
+        </a:xfrm>
+      </p:grpSpPr>
+      <p:sp>
+        <p:nvSpPr>
+          <p:cNvPr id="2" name="标题 1"/>
+          <p:cNvSpPr>
+            <a:spLocks noGrp="1"/>
+          </p:cNvSpPr>
+          <p:nvPr>
+            <p:ph type="title"/>
+          </p:nvPr>
+        </p:nvSpPr>
+        <p:spPr/>
+        <p:txBody>
+          <a:bodyPr/>
+          <a:lstStyle/>
+          <a:p>
+            <a:pPr algn="l"/>
+            <a:r>
+              <a:rPr lang="zh-CN" altLang="en-US" dirty="0" smtClean="0">
+                <a:latin typeface="微软雅黑" panose="020B0503020204020204" pitchFamily="34" charset="-122"/>
+                <a:ea typeface="微软雅黑" panose="020B0503020204020204" pitchFamily="34" charset="-122"/>
+              </a:rPr>
+              <a:t>练习</a:t>
+            </a:r>
+            <a:endParaRPr lang="zh-CN" altLang="en-US" dirty="0"/>
+          </a:p>
+        </p:txBody>
+      </p:sp>
+      <p:sp>
+        <p:nvSpPr>
+          <p:cNvPr id="3" name="内容占位符 2"/>
+          <p:cNvSpPr>
+            <a:spLocks noGrp="1"/>
+          </p:cNvSpPr>
+          <p:nvPr>
+            <p:ph idx="1"/>
+          </p:nvPr>
+        </p:nvSpPr>
+        <p:spPr/>
+        <p:txBody>
+          <a:bodyPr/>
+          <a:lstStyle/>
+          <a:p>
+            <a:r>
+              <a:rPr lang="zh-CN" altLang="en-US" dirty="0" smtClean="0"/>
+              <a:t>显示</a:t>
+            </a:r>
+            <a:r>
+              <a:rPr lang="en-US" altLang="zh-CN" dirty="0" err="1" smtClean="0"/>
+              <a:t>xmlNode</a:t>
+            </a:r>
+            <a:r>
+              <a:rPr lang="zh-CN" altLang="en-US" dirty="0" smtClean="0"/>
+              <a:t>父节点名字</a:t>
+            </a:r>
+            <a:endParaRPr lang="zh-CN" altLang="en-US" dirty="0"/>
+          </a:p>
+        </p:txBody>
+      </p:sp>
+    </p:spTree>
+  </p:cSld>
+  <p:clrMapOvr>
+    <a:masterClrMapping/>
+  </p:clrMapOvr>
+</p:sld>
+</file>
+
+<file path=ppt/slides/slide11.xml><?xml version="1.0" encoding="utf-8"?>
+<p:sld xmlns:a="http://schemas.openxmlformats.org/drawingml/2006/main" xmlns:r="http://schemas.openxmlformats.org/officeDocument/2006/relationships" xmlns:p="http://schemas.openxmlformats.org/presentationml/2006/main">
+  <p:cSld>
+    <p:spTree>
+      <p:nvGrpSpPr>
+        <p:cNvPr id="1" name=""/>
+        <p:cNvGrpSpPr/>
+        <p:nvPr/>
+      </p:nvGrpSpPr>
+      <p:grpSpPr>
+        <a:xfrm>
+          <a:off x="0" y="0"/>
+          <a:ext cx="0" cy="0"/>
+          <a:chOff x="0" y="0"/>
+          <a:chExt cx="0" cy="0"/>
+        </a:xfrm>
+      </p:grpSpPr>
+      <p:sp>
+        <p:nvSpPr>
+          <p:cNvPr id="2" name="标题 1"/>
+          <p:cNvSpPr>
+            <a:spLocks noGrp="1"/>
+          </p:cNvSpPr>
+          <p:nvPr>
+            <p:ph type="title"/>
+          </p:nvPr>
+        </p:nvSpPr>
+        <p:spPr/>
+        <p:txBody>
+          <a:bodyPr/>
+          <a:lstStyle/>
+          <a:p>
+            <a:pPr algn="l"/>
+            <a:r>
+              <a:rPr lang="en-US" altLang="zh-CN" dirty="0" smtClean="0">
+                <a:latin typeface="微软雅黑" panose="020B0503020204020204" pitchFamily="34" charset="-122"/>
+                <a:ea typeface="微软雅黑" panose="020B0503020204020204" pitchFamily="34" charset="-122"/>
+              </a:rPr>
+              <a:t>pretty-printer</a:t>
+            </a:r>
+            <a:r>
+              <a:rPr lang="zh-CN" altLang="en-US" dirty="0" smtClean="0">
+                <a:latin typeface="微软雅黑" panose="020B0503020204020204" pitchFamily="34" charset="-122"/>
+                <a:ea typeface="微软雅黑" panose="020B0503020204020204" pitchFamily="34" charset="-122"/>
+              </a:rPr>
+              <a:t>工作原理</a:t>
+            </a:r>
+            <a:endParaRPr lang="zh-CN" altLang="en-US" dirty="0"/>
+          </a:p>
+        </p:txBody>
+      </p:sp>
+      <p:sp>
+        <p:nvSpPr>
+          <p:cNvPr id="3" name="内容占位符 2"/>
+          <p:cNvSpPr>
+            <a:spLocks noGrp="1"/>
+          </p:cNvSpPr>
+          <p:nvPr>
+            <p:ph idx="1"/>
+          </p:nvPr>
+        </p:nvSpPr>
+        <p:spPr/>
+        <p:txBody>
+          <a:bodyPr/>
+          <a:lstStyle/>
+          <a:p>
+            <a:r>
+              <a:rPr lang="en-US" altLang="zh-CN" sz="1800" dirty="0" err="1" smtClean="0">
+                <a:latin typeface="微软雅黑" panose="020B0503020204020204" pitchFamily="34" charset="-122"/>
+                <a:ea typeface="微软雅黑" panose="020B0503020204020204" pitchFamily="34" charset="-122"/>
+              </a:rPr>
+              <a:t>gdb</a:t>
+            </a:r>
+            <a:r>
+              <a:rPr lang="zh-CN" altLang="en-US" sz="1800" dirty="0" smtClean="0">
+                <a:latin typeface="微软雅黑" panose="020B0503020204020204" pitchFamily="34" charset="-122"/>
+                <a:ea typeface="微软雅黑" panose="020B0503020204020204" pitchFamily="34" charset="-122"/>
+              </a:rPr>
+              <a:t>内置实现了</a:t>
+            </a:r>
+            <a:r>
+              <a:rPr lang="en-US" altLang="zh-CN" sz="1800" dirty="0" smtClean="0">
+                <a:latin typeface="微软雅黑" panose="020B0503020204020204" pitchFamily="34" charset="-122"/>
+                <a:ea typeface="微软雅黑" panose="020B0503020204020204" pitchFamily="34" charset="-122"/>
+              </a:rPr>
+              <a:t>python </a:t>
+            </a:r>
+            <a:r>
+              <a:rPr lang="en-US" altLang="zh-CN" sz="1800" dirty="0" err="1" smtClean="0">
+                <a:latin typeface="微软雅黑" panose="020B0503020204020204" pitchFamily="34" charset="-122"/>
+                <a:ea typeface="微软雅黑" panose="020B0503020204020204" pitchFamily="34" charset="-122"/>
+              </a:rPr>
+              <a:t>gdb</a:t>
+            </a:r>
+            <a:r>
+              <a:rPr lang="zh-CN" altLang="en-US" sz="1800" dirty="0" smtClean="0">
+                <a:latin typeface="微软雅黑" panose="020B0503020204020204" pitchFamily="34" charset="-122"/>
+                <a:ea typeface="微软雅黑" panose="020B0503020204020204" pitchFamily="34" charset="-122"/>
+              </a:rPr>
+              <a:t>模块</a:t>
+            </a:r>
+            <a:endParaRPr lang="en-US" altLang="zh-CN" sz="1800" dirty="0" smtClean="0">
+              <a:latin typeface="微软雅黑" panose="020B0503020204020204" pitchFamily="34" charset="-122"/>
+              <a:ea typeface="微软雅黑" panose="020B0503020204020204" pitchFamily="34" charset="-122"/>
+            </a:endParaRPr>
+          </a:p>
+          <a:p>
+            <a:r>
+              <a:rPr lang="en-US" altLang="zh-CN" sz="1800" dirty="0" err="1" smtClean="0">
+                <a:latin typeface="微软雅黑" panose="020B0503020204020204" pitchFamily="34" charset="-122"/>
+                <a:ea typeface="微软雅黑" panose="020B0503020204020204" pitchFamily="34" charset="-122"/>
+              </a:rPr>
+              <a:t>gdb</a:t>
+            </a:r>
+            <a:r>
+              <a:rPr lang="zh-CN" altLang="en-US" sz="1800" dirty="0" smtClean="0">
+                <a:latin typeface="微软雅黑" panose="020B0503020204020204" pitchFamily="34" charset="-122"/>
+                <a:ea typeface="微软雅黑" panose="020B0503020204020204" pitchFamily="34" charset="-122"/>
+              </a:rPr>
+              <a:t>模块将当前调试的程序的信息包装成</a:t>
+            </a:r>
+            <a:r>
+              <a:rPr lang="en-US" altLang="zh-CN" sz="1800" dirty="0" smtClean="0">
+                <a:latin typeface="微软雅黑" panose="020B0503020204020204" pitchFamily="34" charset="-122"/>
+                <a:ea typeface="微软雅黑" panose="020B0503020204020204" pitchFamily="34" charset="-122"/>
+              </a:rPr>
+              <a:t>Frame</a:t>
+            </a:r>
+            <a:r>
+              <a:rPr lang="zh-CN" altLang="en-US" sz="1800" dirty="0" smtClean="0">
+                <a:latin typeface="微软雅黑" panose="020B0503020204020204" pitchFamily="34" charset="-122"/>
+                <a:ea typeface="微软雅黑" panose="020B0503020204020204" pitchFamily="34" charset="-122"/>
+              </a:rPr>
+              <a:t>、</a:t>
+            </a:r>
+            <a:r>
+              <a:rPr lang="en-US" altLang="zh-CN" sz="1800" dirty="0" smtClean="0">
+                <a:latin typeface="微软雅黑" panose="020B0503020204020204" pitchFamily="34" charset="-122"/>
+                <a:ea typeface="微软雅黑" panose="020B0503020204020204" pitchFamily="34" charset="-122"/>
+              </a:rPr>
+              <a:t>Thread</a:t>
+            </a:r>
+            <a:r>
+              <a:rPr lang="zh-CN" altLang="en-US" sz="1800" dirty="0" smtClean="0">
+                <a:latin typeface="微软雅黑" panose="020B0503020204020204" pitchFamily="34" charset="-122"/>
+                <a:ea typeface="微软雅黑" panose="020B0503020204020204" pitchFamily="34" charset="-122"/>
+              </a:rPr>
+              <a:t>、</a:t>
+            </a:r>
+            <a:r>
+              <a:rPr lang="en-US" altLang="zh-CN" sz="1800" dirty="0" smtClean="0">
+                <a:latin typeface="微软雅黑" panose="020B0503020204020204" pitchFamily="34" charset="-122"/>
+                <a:ea typeface="微软雅黑" panose="020B0503020204020204" pitchFamily="34" charset="-122"/>
+              </a:rPr>
+              <a:t>Block</a:t>
+            </a:r>
+            <a:r>
+              <a:rPr lang="zh-CN" altLang="en-US" sz="1800" dirty="0" smtClean="0">
+                <a:latin typeface="微软雅黑" panose="020B0503020204020204" pitchFamily="34" charset="-122"/>
+                <a:ea typeface="微软雅黑" panose="020B0503020204020204" pitchFamily="34" charset="-122"/>
+              </a:rPr>
+              <a:t>、</a:t>
+            </a:r>
+            <a:r>
+              <a:rPr lang="en-US" altLang="zh-CN" sz="1800" dirty="0" smtClean="0">
+                <a:latin typeface="微软雅黑" panose="020B0503020204020204" pitchFamily="34" charset="-122"/>
+                <a:ea typeface="微软雅黑" panose="020B0503020204020204" pitchFamily="34" charset="-122"/>
+              </a:rPr>
+              <a:t>Breakpoints</a:t>
+            </a:r>
+            <a:r>
+              <a:rPr lang="zh-CN" altLang="en-US" sz="1800" dirty="0" smtClean="0">
+                <a:latin typeface="微软雅黑" panose="020B0503020204020204" pitchFamily="34" charset="-122"/>
+                <a:ea typeface="微软雅黑" panose="020B0503020204020204" pitchFamily="34" charset="-122"/>
+              </a:rPr>
+              <a:t>传递给</a:t>
+            </a:r>
+            <a:r>
+              <a:rPr lang="en-US" altLang="zh-CN" sz="1800" dirty="0" smtClean="0">
+                <a:latin typeface="微软雅黑" panose="020B0503020204020204" pitchFamily="34" charset="-122"/>
+                <a:ea typeface="微软雅黑" panose="020B0503020204020204" pitchFamily="34" charset="-122"/>
+              </a:rPr>
+              <a:t>python</a:t>
+            </a:r>
+            <a:r>
+              <a:rPr lang="zh-CN" altLang="en-US" sz="1800" dirty="0" smtClean="0">
+                <a:latin typeface="微软雅黑" panose="020B0503020204020204" pitchFamily="34" charset="-122"/>
+                <a:ea typeface="微软雅黑" panose="020B0503020204020204" pitchFamily="34" charset="-122"/>
+              </a:rPr>
+              <a:t>解释器</a:t>
+            </a:r>
+            <a:endParaRPr lang="en-US" altLang="zh-CN" sz="1800" dirty="0" smtClean="0">
+              <a:latin typeface="微软雅黑" panose="020B0503020204020204" pitchFamily="34" charset="-122"/>
+              <a:ea typeface="微软雅黑" panose="020B0503020204020204" pitchFamily="34" charset="-122"/>
+            </a:endParaRPr>
+          </a:p>
+          <a:p>
+            <a:r>
+              <a:rPr lang="en-US" altLang="zh-CN" sz="1800" dirty="0" smtClean="0">
+                <a:latin typeface="微软雅黑" panose="020B0503020204020204" pitchFamily="34" charset="-122"/>
+                <a:ea typeface="微软雅黑" panose="020B0503020204020204" pitchFamily="34" charset="-122"/>
+              </a:rPr>
+              <a:t>Python</a:t>
+            </a:r>
+            <a:r>
+              <a:rPr lang="zh-CN" altLang="en-US" sz="1800" dirty="0" smtClean="0">
+                <a:latin typeface="微软雅黑" panose="020B0503020204020204" pitchFamily="34" charset="-122"/>
+                <a:ea typeface="微软雅黑" panose="020B0503020204020204" pitchFamily="34" charset="-122"/>
+              </a:rPr>
+              <a:t>解释器返回给</a:t>
+            </a:r>
+            <a:r>
+              <a:rPr lang="en-US" altLang="zh-CN" sz="1800" dirty="0" err="1" smtClean="0">
+                <a:latin typeface="微软雅黑" panose="020B0503020204020204" pitchFamily="34" charset="-122"/>
+                <a:ea typeface="微软雅黑" panose="020B0503020204020204" pitchFamily="34" charset="-122"/>
+              </a:rPr>
+              <a:t>gdb</a:t>
+            </a:r>
+            <a:r>
+              <a:rPr lang="zh-CN" altLang="en-US" sz="1800" dirty="0" smtClean="0">
+                <a:latin typeface="微软雅黑" panose="020B0503020204020204" pitchFamily="34" charset="-122"/>
+                <a:ea typeface="微软雅黑" panose="020B0503020204020204" pitchFamily="34" charset="-122"/>
+              </a:rPr>
+              <a:t>解析的结果</a:t>
+            </a:r>
+          </a:p>
+          <a:p>
+            <a:endParaRPr lang="zh-CN" altLang="en-US" dirty="0"/>
+          </a:p>
+        </p:txBody>
+      </p:sp>
+    </p:spTree>
+  </p:cSld>
+  <p:clrMapOvr>
+    <a:masterClrMapping/>
+  </p:clrMapOvr>
+</p:sld>
+</file>
+
+<file path=ppt/slides/slide12.xml><?xml version="1.0" encoding="utf-8"?>
+<p:sld xmlns:a="http://schemas.openxmlformats.org/drawingml/2006/main" xmlns:r="http://schemas.openxmlformats.org/officeDocument/2006/relationships" xmlns:p="http://schemas.openxmlformats.org/presentationml/2006/main">
+  <p:cSld>
+    <p:spTree>
+      <p:nvGrpSpPr>
+        <p:cNvPr id="1" name=""/>
+        <p:cNvGrpSpPr/>
+        <p:nvPr/>
+      </p:nvGrpSpPr>
+      <p:grpSpPr>
+        <a:xfrm>
+          <a:off x="0" y="0"/>
+          <a:ext cx="0" cy="0"/>
+          <a:chOff x="0" y="0"/>
+          <a:chExt cx="0" cy="0"/>
+        </a:xfrm>
+      </p:grpSpPr>
+      <p:sp>
+        <p:nvSpPr>
+          <p:cNvPr id="2" name="标题 1"/>
+          <p:cNvSpPr>
+            <a:spLocks noGrp="1"/>
+          </p:cNvSpPr>
+          <p:nvPr>
+            <p:ph type="title"/>
+          </p:nvPr>
+        </p:nvSpPr>
+        <p:spPr/>
+        <p:txBody>
+          <a:bodyPr/>
+          <a:lstStyle/>
+          <a:p>
+            <a:pPr algn="l"/>
+            <a:r>
+              <a:rPr lang="zh-CN" altLang="en-US" dirty="0" smtClean="0">
+                <a:latin typeface="微软雅黑" panose="020B0503020204020204" pitchFamily="34" charset="-122"/>
+                <a:ea typeface="微软雅黑" panose="020B0503020204020204" pitchFamily="34" charset="-122"/>
+              </a:rPr>
+              <a:t>实现自己的</a:t>
+            </a:r>
+            <a:r>
+              <a:rPr lang="en-US" altLang="zh-CN" dirty="0" smtClean="0">
+                <a:latin typeface="微软雅黑" panose="020B0503020204020204" pitchFamily="34" charset="-122"/>
+                <a:ea typeface="微软雅黑" panose="020B0503020204020204" pitchFamily="34" charset="-122"/>
+              </a:rPr>
+              <a:t>pretty-printer</a:t>
+            </a:r>
+            <a:endParaRPr lang="zh-CN" altLang="en-US" dirty="0"/>
+          </a:p>
+        </p:txBody>
+      </p:sp>
+      <p:pic>
+        <p:nvPicPr>
+          <p:cNvPr id="1026" name="Picture 2"/>
+          <p:cNvPicPr>
+            <a:picLocks noChangeAspect="1" noChangeArrowheads="1"/>
+          </p:cNvPicPr>
+          <p:nvPr/>
+        </p:nvPicPr>
+        <p:blipFill>
+          <a:blip r:embed="rId2" cstate="print"/>
+          <a:srcRect/>
+          <a:stretch>
+            <a:fillRect/>
+          </a:stretch>
+        </p:blipFill>
+        <p:spPr bwMode="auto">
+          <a:xfrm>
+            <a:off x="395536" y="1340768"/>
+            <a:ext cx="4371975" cy="5095875"/>
+          </a:xfrm>
+          <a:prstGeom prst="rect">
+            <a:avLst/>
+          </a:prstGeom>
+          <a:noFill/>
+          <a:ln w="9525">
+            <a:noFill/>
+            <a:miter lim="800000"/>
+            <a:headEnd/>
+            <a:tailEnd/>
+          </a:ln>
+        </p:spPr>
+      </p:pic>
+      <p:sp>
+        <p:nvSpPr>
+          <p:cNvPr id="5" name="TextBox 4"/>
+          <p:cNvSpPr txBox="1"/>
+          <p:nvPr/>
+        </p:nvSpPr>
+        <p:spPr>
+          <a:xfrm>
+            <a:off x="3378063" y="1844824"/>
+            <a:ext cx="5765937" cy="1200329"/>
+          </a:xfrm>
+          <a:prstGeom prst="rect">
+            <a:avLst/>
+          </a:prstGeom>
+          <a:noFill/>
+        </p:spPr>
+        <p:txBody>
+          <a:bodyPr wrap="none" rtlCol="0">
+            <a:spAutoFit/>
+          </a:bodyPr>
+          <a:lstStyle/>
+          <a:p>
+            <a:pPr>
+              <a:buFont typeface="Arial" pitchFamily="34" charset="0"/>
+              <a:buChar char="•"/>
+            </a:pPr>
+            <a:r>
+              <a:rPr lang="zh-CN" altLang="en-US" dirty="0" smtClean="0">
+                <a:latin typeface="微软雅黑" panose="020B0503020204020204" pitchFamily="34" charset="-122"/>
+                <a:ea typeface="微软雅黑" panose="020B0503020204020204" pitchFamily="34" charset="-122"/>
+              </a:rPr>
+              <a:t>实现</a:t>
+            </a:r>
+            <a:r>
+              <a:rPr lang="en-US" altLang="zh-CN" dirty="0" smtClean="0">
+                <a:latin typeface="微软雅黑" panose="020B0503020204020204" pitchFamily="34" charset="-122"/>
+                <a:ea typeface="微软雅黑" panose="020B0503020204020204" pitchFamily="34" charset="-122"/>
+              </a:rPr>
+              <a:t>Sample</a:t>
+            </a:r>
+            <a:r>
+              <a:rPr lang="zh-CN" altLang="en-US" dirty="0" smtClean="0">
+                <a:latin typeface="微软雅黑" panose="020B0503020204020204" pitchFamily="34" charset="-122"/>
+                <a:ea typeface="微软雅黑" panose="020B0503020204020204" pitchFamily="34" charset="-122"/>
+              </a:rPr>
+              <a:t>的</a:t>
+            </a:r>
+            <a:r>
+              <a:rPr lang="en-US" altLang="zh-CN" dirty="0" smtClean="0">
+                <a:latin typeface="微软雅黑" panose="020B0503020204020204" pitchFamily="34" charset="-122"/>
+                <a:ea typeface="微软雅黑" panose="020B0503020204020204" pitchFamily="34" charset="-122"/>
+              </a:rPr>
+              <a:t>Pretty-Printer</a:t>
+            </a:r>
+          </a:p>
+          <a:p>
+            <a:pPr>
+              <a:buFont typeface="Arial" pitchFamily="34" charset="0"/>
+              <a:buChar char="•"/>
+            </a:pPr>
+            <a:r>
+              <a:rPr lang="zh-CN" altLang="en-US" dirty="0" smtClean="0">
+                <a:latin typeface="微软雅黑" panose="020B0503020204020204" pitchFamily="34" charset="-122"/>
+                <a:ea typeface="微软雅黑" panose="020B0503020204020204" pitchFamily="34" charset="-122"/>
+              </a:rPr>
+              <a:t>实现</a:t>
+            </a:r>
+            <a:r>
+              <a:rPr lang="en-US" altLang="zh-CN" dirty="0" err="1" smtClean="0">
+                <a:latin typeface="微软雅黑" panose="020B0503020204020204" pitchFamily="34" charset="-122"/>
+                <a:ea typeface="微软雅黑" panose="020B0503020204020204" pitchFamily="34" charset="-122"/>
+              </a:rPr>
+              <a:t>SubStruct</a:t>
+            </a:r>
+            <a:r>
+              <a:rPr lang="zh-CN" altLang="en-US" dirty="0" smtClean="0">
+                <a:latin typeface="微软雅黑" panose="020B0503020204020204" pitchFamily="34" charset="-122"/>
+                <a:ea typeface="微软雅黑" panose="020B0503020204020204" pitchFamily="34" charset="-122"/>
+              </a:rPr>
+              <a:t>的</a:t>
+            </a:r>
+            <a:r>
+              <a:rPr lang="en-US" altLang="zh-CN" dirty="0" smtClean="0">
+                <a:latin typeface="微软雅黑" panose="020B0503020204020204" pitchFamily="34" charset="-122"/>
+                <a:ea typeface="微软雅黑" panose="020B0503020204020204" pitchFamily="34" charset="-122"/>
+              </a:rPr>
+              <a:t>Pretty-Printer</a:t>
+            </a:r>
+          </a:p>
+          <a:p>
+            <a:pPr>
+              <a:buFont typeface="Arial" pitchFamily="34" charset="0"/>
+              <a:buChar char="•"/>
+            </a:pPr>
+            <a:r>
+              <a:rPr lang="zh-CN" altLang="en-US" dirty="0" smtClean="0">
+                <a:latin typeface="微软雅黑" panose="020B0503020204020204" pitchFamily="34" charset="-122"/>
+                <a:ea typeface="微软雅黑" panose="020B0503020204020204" pitchFamily="34" charset="-122"/>
+              </a:rPr>
+              <a:t>在</a:t>
+            </a:r>
+            <a:r>
+              <a:rPr lang="en-US" altLang="zh-CN" dirty="0" smtClean="0">
+                <a:latin typeface="微软雅黑" panose="020B0503020204020204" pitchFamily="34" charset="-122"/>
+                <a:ea typeface="微软雅黑" panose="020B0503020204020204" pitchFamily="34" charset="-122"/>
+              </a:rPr>
+              <a:t>main</a:t>
+            </a:r>
+            <a:r>
+              <a:rPr lang="zh-CN" altLang="en-US" dirty="0" smtClean="0">
+                <a:latin typeface="微软雅黑" panose="020B0503020204020204" pitchFamily="34" charset="-122"/>
+                <a:ea typeface="微软雅黑" panose="020B0503020204020204" pitchFamily="34" charset="-122"/>
+              </a:rPr>
+              <a:t>函数中下断点</a:t>
+            </a:r>
+            <a:r>
+              <a:rPr lang="en-US" altLang="zh-CN" dirty="0" smtClean="0">
+                <a:latin typeface="微软雅黑" panose="020B0503020204020204" pitchFamily="34" charset="-122"/>
+                <a:ea typeface="微软雅黑" panose="020B0503020204020204" pitchFamily="34" charset="-122"/>
+              </a:rPr>
+              <a:t>, </a:t>
+            </a:r>
+            <a:r>
+              <a:rPr lang="zh-CN" altLang="en-US" dirty="0" smtClean="0">
+                <a:latin typeface="微软雅黑" panose="020B0503020204020204" pitchFamily="34" charset="-122"/>
+                <a:ea typeface="微软雅黑" panose="020B0503020204020204" pitchFamily="34" charset="-122"/>
+              </a:rPr>
+              <a:t>加</a:t>
+            </a:r>
+            <a:r>
+              <a:rPr lang="zh-CN" altLang="en-US" dirty="0" smtClean="0">
+                <a:latin typeface="微软雅黑" panose="020B0503020204020204" pitchFamily="34" charset="-122"/>
+                <a:ea typeface="微软雅黑" panose="020B0503020204020204" pitchFamily="34" charset="-122"/>
+              </a:rPr>
+              <a:t>载</a:t>
+            </a:r>
+            <a:r>
+              <a:rPr lang="en-US" altLang="zh-CN" dirty="0" smtClean="0">
+                <a:latin typeface="微软雅黑" panose="020B0503020204020204" pitchFamily="34" charset="-122"/>
+                <a:ea typeface="微软雅黑" panose="020B0503020204020204" pitchFamily="34" charset="-122"/>
+              </a:rPr>
+              <a:t>Pretty-Printer</a:t>
+            </a:r>
+            <a:r>
+              <a:rPr lang="zh-CN" altLang="en-US" dirty="0" smtClean="0">
+                <a:latin typeface="微软雅黑" panose="020B0503020204020204" pitchFamily="34" charset="-122"/>
+                <a:ea typeface="微软雅黑" panose="020B0503020204020204" pitchFamily="34" charset="-122"/>
+              </a:rPr>
+              <a:t>输出</a:t>
+            </a:r>
+            <a:r>
+              <a:rPr lang="en-US" altLang="zh-CN" dirty="0" smtClean="0">
+                <a:latin typeface="微软雅黑" panose="020B0503020204020204" pitchFamily="34" charset="-122"/>
+                <a:ea typeface="微软雅黑" panose="020B0503020204020204" pitchFamily="34" charset="-122"/>
+              </a:rPr>
+              <a:t>s</a:t>
+            </a:r>
+            <a:r>
+              <a:rPr lang="zh-CN" altLang="en-US" dirty="0" smtClean="0">
+                <a:latin typeface="微软雅黑" panose="020B0503020204020204" pitchFamily="34" charset="-122"/>
+                <a:ea typeface="微软雅黑" panose="020B0503020204020204" pitchFamily="34" charset="-122"/>
+              </a:rPr>
+              <a:t>的内容</a:t>
+            </a:r>
+            <a:endParaRPr lang="en-US" altLang="zh-CN" dirty="0" smtClean="0">
+              <a:latin typeface="微软雅黑" panose="020B0503020204020204" pitchFamily="34" charset="-122"/>
+              <a:ea typeface="微软雅黑" panose="020B0503020204020204" pitchFamily="34" charset="-122"/>
+            </a:endParaRPr>
+          </a:p>
+          <a:p>
+            <a:endParaRPr lang="zh-CN" altLang="en-US" dirty="0"/>
+          </a:p>
+        </p:txBody>
+      </p:sp>
+    </p:spTree>
+  </p:cSld>
+  <p:clrMapOvr>
+    <a:masterClrMapping/>
+  </p:clrMapOvr>
+</p:sld>
+</file>
+
+<file path=ppt/slides/slide13.xml><?xml version="1.0" encoding="utf-8"?>
+<p:sld xmlns:a="http://schemas.openxmlformats.org/drawingml/2006/main" xmlns:r="http://schemas.openxmlformats.org/officeDocument/2006/relationships" xmlns:p="http://schemas.openxmlformats.org/presentationml/2006/main">
+  <p:cSld>
+    <p:spTree>
+      <p:nvGrpSpPr>
+        <p:cNvPr id="1" name=""/>
+        <p:cNvGrpSpPr/>
+        <p:nvPr/>
+      </p:nvGrpSpPr>
+      <p:grpSpPr>
+        <a:xfrm>
+          <a:off x="0" y="0"/>
+          <a:ext cx="0" cy="0"/>
+          <a:chOff x="0" y="0"/>
+          <a:chExt cx="0" cy="0"/>
+        </a:xfrm>
+      </p:grpSpPr>
+      <p:sp>
+        <p:nvSpPr>
+          <p:cNvPr id="2" name="标题 1"/>
+          <p:cNvSpPr>
+            <a:spLocks noGrp="1"/>
+          </p:cNvSpPr>
+          <p:nvPr>
+            <p:ph type="title"/>
+          </p:nvPr>
+        </p:nvSpPr>
+        <p:spPr/>
+        <p:txBody>
+          <a:bodyPr/>
+          <a:lstStyle/>
+          <a:p>
+            <a:r>
+              <a:rPr lang="en-US" altLang="zh-CN" dirty="0" smtClean="0"/>
+              <a:t>Q &amp; A</a:t>
+            </a:r>
+            <a:endParaRPr lang="zh-CN" altLang="en-US" dirty="0"/>
+          </a:p>
+        </p:txBody>
+      </p:sp>
+    </p:spTree>
+  </p:cSld>
+  <p:clrMapOvr>
+    <a:masterClrMapping/>
+  </p:clrMapOvr>
+</p:sld>
+</file>
+
+<file path=ppt/slides/slide14.xml><?xml version="1.0" encoding="utf-8"?>
+<p:sld xmlns:a="http://schemas.openxmlformats.org/drawingml/2006/main" xmlns:r="http://schemas.openxmlformats.org/officeDocument/2006/relationships" xmlns:p="http://schemas.openxmlformats.org/presentationml/2006/main">
+  <p:cSld>
+    <p:spTree>
+      <p:nvGrpSpPr>
+        <p:cNvPr id="1" name=""/>
+        <p:cNvGrpSpPr/>
+        <p:nvPr/>
+      </p:nvGrpSpPr>
+      <p:grpSpPr>
+        <a:xfrm>
+          <a:off x="0" y="0"/>
+          <a:ext cx="0" cy="0"/>
+          <a:chOff x="0" y="0"/>
+          <a:chExt cx="0" cy="0"/>
+        </a:xfrm>
+      </p:grpSpPr>
+      <p:sp>
+        <p:nvSpPr>
+          <p:cNvPr id="2" name="标题 1"/>
+          <p:cNvSpPr>
+            <a:spLocks noGrp="1"/>
+          </p:cNvSpPr>
+          <p:nvPr>
+            <p:ph type="title"/>
+          </p:nvPr>
+        </p:nvSpPr>
+        <p:spPr/>
+        <p:txBody>
+          <a:bodyPr/>
+          <a:lstStyle/>
+          <a:p>
+            <a:r>
+              <a:rPr lang="en-US" altLang="zh-CN" dirty="0" smtClean="0"/>
+              <a:t>Thank You</a:t>
+            </a:r>
+            <a:endParaRPr lang="zh-CN" altLang="en-US" dirty="0"/>
+          </a:p>
+        </p:txBody>
+      </p:sp>
+    </p:spTree>
+  </p:cSld>
+  <p:clrMapOvr>
+    <a:masterClrMapping/>
+  </p:clrMapOvr>
+</p:sld>
+</file>
+
 <file path=ppt/slides/slide2.xml><?xml version="1.0" encoding="utf-8"?>
 <p:sld xmlns:a="http://schemas.openxmlformats.org/drawingml/2006/main" xmlns:r="http://schemas.openxmlformats.org/officeDocument/2006/relationships" xmlns:p="http://schemas.openxmlformats.org/presentationml/2006/main">
   <p:cSld>
@@ -4190,11 +4881,7 @@
           <a:p>
             <a:r>
               <a:rPr lang="zh-CN" altLang="en-US" dirty="0" smtClean="0"/>
-              <a:t>实</a:t>
-            </a:r>
-            <a:r>
-              <a:rPr lang="zh-CN" altLang="en-US" dirty="0" smtClean="0"/>
-              <a:t>现</a:t>
+              <a:t>实现</a:t>
             </a:r>
             <a:r>
               <a:rPr lang="en-US" altLang="zh-CN" i="1" dirty="0" err="1" smtClean="0"/>
@@ -4354,11 +5041,7 @@
             </a:pPr>
             <a:r>
               <a:rPr lang="zh-CN" altLang="en-US" sz="2000" dirty="0" smtClean="0"/>
-              <a:t>如果出现以下字样则不支持</a:t>
-            </a:r>
-            <a:r>
-              <a:rPr lang="zh-CN" altLang="en-US" sz="2000" dirty="0" smtClean="0"/>
-              <a:t>：</a:t>
+              <a:t>如果出现以下字样则不支持：</a:t>
             </a:r>
             <a:endParaRPr lang="en-US" altLang="zh-CN" sz="2000" dirty="0" smtClean="0"/>
           </a:p>
@@ -4376,24 +5059,9 @@
                   <a:srgbClr val="FF0000"/>
                 </a:solidFill>
               </a:rPr>
-              <a:t>Scripting </a:t>
-            </a:r>
-            <a:r>
-              <a:rPr lang="en-US" altLang="zh-CN" sz="2000" dirty="0" smtClean="0">
-                <a:solidFill>
-                  <a:srgbClr val="FF0000"/>
-                </a:solidFill>
-              </a:rPr>
-              <a:t>in the "Python" language is not supported in this copy of </a:t>
-            </a:r>
-            <a:r>
-              <a:rPr lang="en-US" altLang="zh-CN" sz="2000" dirty="0" smtClean="0">
-                <a:solidFill>
-                  <a:srgbClr val="FF0000"/>
-                </a:solidFill>
-              </a:rPr>
-              <a:t>GDB</a:t>
-            </a:r>
+              <a:t>Scripting in the "Python" language is not supported in this copy of GDB</a:t>
+            </a:r>
+            <a:endParaRPr lang="en-US" altLang="zh-CN" sz="2000" dirty="0" smtClean="0"/>
           </a:p>
           <a:p>
             <a:pPr>
@@ -4486,6 +5154,18 @@
               <a:rPr lang="en-US" altLang="zh-CN" sz="2000" dirty="0" smtClean="0"/>
               <a:t>      make install</a:t>
             </a:r>
+          </a:p>
+          <a:p>
+            <a:pPr marL="0" indent="0">
+              <a:buNone/>
+            </a:pPr>
+            <a:endParaRPr lang="en-US" altLang="zh-CN" sz="2000" dirty="0" smtClean="0"/>
+          </a:p>
+          <a:p>
+            <a:pPr marL="0" indent="0">
+              <a:buNone/>
+            </a:pPr>
+            <a:endParaRPr lang="en-US" altLang="zh-CN" sz="2000" dirty="0" smtClean="0"/>
           </a:p>
           <a:p>
             <a:pPr>
@@ -4560,25 +5240,30 @@
           </a:p>
         </p:txBody>
       </p:sp>
-      <p:sp>
-        <p:nvSpPr>
-          <p:cNvPr id="3" name="内容占位符 2"/>
-          <p:cNvSpPr>
-            <a:spLocks noGrp="1"/>
-          </p:cNvSpPr>
-          <p:nvPr>
-            <p:ph idx="1"/>
-          </p:nvPr>
-        </p:nvSpPr>
-        <p:spPr/>
-        <p:txBody>
-          <a:bodyPr/>
-          <a:lstStyle/>
-          <a:p>
-            <a:endParaRPr lang="zh-CN" altLang="en-US" dirty="0"/>
-          </a:p>
-        </p:txBody>
-      </p:sp>
+      <p:pic>
+        <p:nvPicPr>
+          <p:cNvPr id="4" name="图片 3"/>
+          <p:cNvPicPr>
+            <a:picLocks noChangeAspect="1"/>
+          </p:cNvPicPr>
+          <p:nvPr/>
+        </p:nvPicPr>
+        <p:blipFill>
+          <a:blip r:embed="rId2" cstate="print"/>
+          <a:stretch>
+            <a:fillRect/>
+          </a:stretch>
+        </p:blipFill>
+        <p:spPr>
+          <a:xfrm>
+            <a:off x="611561" y="1772816"/>
+            <a:ext cx="7198116" cy="3744416"/>
+          </a:xfrm>
+          <a:prstGeom prst="rect">
+            <a:avLst/>
+          </a:prstGeom>
+        </p:spPr>
+      </p:pic>
     </p:spTree>
   </p:cSld>
   <p:clrMapOvr>
@@ -4619,10 +5304,224 @@
           <a:bodyPr/>
           <a:lstStyle/>
           <a:p>
-            <a:r>
-              <a:rPr lang="en-US" altLang="zh-CN" dirty="0" smtClean="0"/>
-              <a:t>Q &amp; A</a:t>
-            </a:r>
+            <a:pPr algn="l"/>
+            <a:r>
+              <a:rPr lang="zh-CN" altLang="en-US" dirty="0" smtClean="0">
+                <a:latin typeface="微软雅黑" panose="020B0503020204020204" pitchFamily="34" charset="-122"/>
+                <a:ea typeface="微软雅黑" panose="020B0503020204020204" pitchFamily="34" charset="-122"/>
+              </a:rPr>
+              <a:t>用</a:t>
+            </a:r>
+            <a:r>
+              <a:rPr lang="en-US" altLang="zh-CN" dirty="0" smtClean="0">
+                <a:latin typeface="微软雅黑" panose="020B0503020204020204" pitchFamily="34" charset="-122"/>
+                <a:ea typeface="微软雅黑" panose="020B0503020204020204" pitchFamily="34" charset="-122"/>
+              </a:rPr>
+              <a:t>python</a:t>
+            </a:r>
+            <a:r>
+              <a:rPr lang="zh-CN" altLang="en-US" dirty="0" smtClean="0">
+                <a:latin typeface="微软雅黑" panose="020B0503020204020204" pitchFamily="34" charset="-122"/>
+                <a:ea typeface="微软雅黑" panose="020B0503020204020204" pitchFamily="34" charset="-122"/>
+              </a:rPr>
+              <a:t>实现</a:t>
+            </a:r>
+            <a:r>
+              <a:rPr lang="en-US" altLang="zh-CN" dirty="0" err="1" smtClean="0">
+                <a:latin typeface="微软雅黑" panose="020B0503020204020204" pitchFamily="34" charset="-122"/>
+                <a:ea typeface="微软雅黑" panose="020B0503020204020204" pitchFamily="34" charset="-122"/>
+              </a:rPr>
+              <a:t>gdb</a:t>
+            </a:r>
+            <a:r>
+              <a:rPr lang="zh-CN" altLang="en-US" dirty="0" smtClean="0">
+                <a:latin typeface="微软雅黑" panose="020B0503020204020204" pitchFamily="34" charset="-122"/>
+                <a:ea typeface="微软雅黑" panose="020B0503020204020204" pitchFamily="34" charset="-122"/>
+              </a:rPr>
+              <a:t>命令</a:t>
+            </a:r>
+            <a:endParaRPr lang="zh-CN" altLang="en-US" dirty="0"/>
+          </a:p>
+        </p:txBody>
+      </p:sp>
+      <p:sp>
+        <p:nvSpPr>
+          <p:cNvPr id="3" name="内容占位符 2"/>
+          <p:cNvSpPr>
+            <a:spLocks noGrp="1"/>
+          </p:cNvSpPr>
+          <p:nvPr>
+            <p:ph idx="1"/>
+          </p:nvPr>
+        </p:nvSpPr>
+        <p:spPr/>
+        <p:txBody>
+          <a:bodyPr/>
+          <a:lstStyle/>
+          <a:p>
+            <a:r>
+              <a:rPr lang="zh-CN" altLang="en-US" sz="2000" dirty="0" smtClean="0">
+                <a:latin typeface="微软雅黑" panose="020B0503020204020204" pitchFamily="34" charset="-122"/>
+                <a:ea typeface="微软雅黑" panose="020B0503020204020204" pitchFamily="34" charset="-122"/>
+              </a:rPr>
+              <a:t>对</a:t>
+            </a:r>
+            <a:r>
+              <a:rPr lang="en-US" altLang="zh-CN" sz="2000" dirty="0" smtClean="0">
+                <a:latin typeface="微软雅黑" panose="020B0503020204020204" pitchFamily="34" charset="-122"/>
+                <a:ea typeface="微软雅黑" panose="020B0503020204020204" pitchFamily="34" charset="-122"/>
+              </a:rPr>
+              <a:t>python </a:t>
+            </a:r>
+            <a:r>
+              <a:rPr lang="en-US" altLang="zh-CN" sz="2000" dirty="0" err="1" smtClean="0">
+                <a:latin typeface="微软雅黑" panose="020B0503020204020204" pitchFamily="34" charset="-122"/>
+                <a:ea typeface="微软雅黑" panose="020B0503020204020204" pitchFamily="34" charset="-122"/>
+              </a:rPr>
+              <a:t>gdb</a:t>
+            </a:r>
+            <a:r>
+              <a:rPr lang="zh-CN" altLang="en-US" sz="2000" dirty="0" smtClean="0">
+                <a:latin typeface="微软雅黑" panose="020B0503020204020204" pitchFamily="34" charset="-122"/>
+                <a:ea typeface="微软雅黑" panose="020B0503020204020204" pitchFamily="34" charset="-122"/>
+              </a:rPr>
+              <a:t>中所有的类都可以通过</a:t>
+            </a:r>
+            <a:r>
+              <a:rPr lang="en-US" altLang="zh-CN" sz="2000" dirty="0" smtClean="0">
+                <a:latin typeface="微软雅黑" panose="020B0503020204020204" pitchFamily="34" charset="-122"/>
+                <a:ea typeface="微软雅黑" panose="020B0503020204020204" pitchFamily="34" charset="-122"/>
+              </a:rPr>
+              <a:t>python help(xxx)</a:t>
+            </a:r>
+            <a:r>
+              <a:rPr lang="zh-CN" altLang="en-US" sz="2000" dirty="0" smtClean="0">
+                <a:latin typeface="微软雅黑" panose="020B0503020204020204" pitchFamily="34" charset="-122"/>
+                <a:ea typeface="微软雅黑" panose="020B0503020204020204" pitchFamily="34" charset="-122"/>
+              </a:rPr>
+              <a:t>查看用法</a:t>
+            </a:r>
+            <a:endParaRPr lang="en-US" altLang="zh-CN" sz="2000" dirty="0" smtClean="0">
+              <a:latin typeface="微软雅黑" panose="020B0503020204020204" pitchFamily="34" charset="-122"/>
+              <a:ea typeface="微软雅黑" panose="020B0503020204020204" pitchFamily="34" charset="-122"/>
+            </a:endParaRPr>
+          </a:p>
+          <a:p>
+            <a:r>
+              <a:rPr lang="en-US" altLang="zh-CN" sz="2000" dirty="0" smtClean="0">
+                <a:latin typeface="微软雅黑" panose="020B0503020204020204" pitchFamily="34" charset="-122"/>
+                <a:ea typeface="微软雅黑" panose="020B0503020204020204" pitchFamily="34" charset="-122"/>
+              </a:rPr>
+              <a:t>init</a:t>
+            </a:r>
+            <a:r>
+              <a:rPr lang="zh-CN" altLang="en-US" sz="2000" dirty="0" smtClean="0">
+                <a:latin typeface="微软雅黑" panose="020B0503020204020204" pitchFamily="34" charset="-122"/>
+                <a:ea typeface="微软雅黑" panose="020B0503020204020204" pitchFamily="34" charset="-122"/>
+              </a:rPr>
+              <a:t>函数第一个参数定义了命令名，最后一个参数表示可以使用自动补全</a:t>
+            </a:r>
+            <a:endParaRPr lang="en-US" altLang="zh-CN" sz="2000" dirty="0" smtClean="0">
+              <a:latin typeface="微软雅黑" panose="020B0503020204020204" pitchFamily="34" charset="-122"/>
+              <a:ea typeface="微软雅黑" panose="020B0503020204020204" pitchFamily="34" charset="-122"/>
+            </a:endParaRPr>
+          </a:p>
+          <a:p>
+            <a:r>
+              <a:rPr lang="en-US" altLang="zh-CN" sz="2000" dirty="0" smtClean="0">
+                <a:latin typeface="微软雅黑" panose="020B0503020204020204" pitchFamily="34" charset="-122"/>
+                <a:ea typeface="微软雅黑" panose="020B0503020204020204" pitchFamily="34" charset="-122"/>
+              </a:rPr>
+              <a:t>invoke</a:t>
+            </a:r>
+            <a:r>
+              <a:rPr lang="zh-CN" altLang="en-US" sz="2000" dirty="0" smtClean="0">
+                <a:latin typeface="微软雅黑" panose="020B0503020204020204" pitchFamily="34" charset="-122"/>
+                <a:ea typeface="微软雅黑" panose="020B0503020204020204" pitchFamily="34" charset="-122"/>
+              </a:rPr>
+              <a:t>是命令实现的地方</a:t>
+            </a:r>
+            <a:endParaRPr lang="en-US" altLang="zh-CN" sz="2000" dirty="0" smtClean="0">
+              <a:latin typeface="微软雅黑" panose="020B0503020204020204" pitchFamily="34" charset="-122"/>
+              <a:ea typeface="微软雅黑" panose="020B0503020204020204" pitchFamily="34" charset="-122"/>
+            </a:endParaRPr>
+          </a:p>
+          <a:p>
+            <a:r>
+              <a:rPr lang="en-US" altLang="zh-CN" sz="2000" dirty="0" err="1" smtClean="0">
+                <a:latin typeface="微软雅黑" panose="020B0503020204020204" pitchFamily="34" charset="-122"/>
+                <a:ea typeface="微软雅黑" panose="020B0503020204020204" pitchFamily="34" charset="-122"/>
+              </a:rPr>
+              <a:t>gdb.breakpoints</a:t>
+            </a:r>
+            <a:r>
+              <a:rPr lang="en-US" altLang="zh-CN" sz="2000" dirty="0" smtClean="0">
+                <a:latin typeface="微软雅黑" panose="020B0503020204020204" pitchFamily="34" charset="-122"/>
+                <a:ea typeface="微软雅黑" panose="020B0503020204020204" pitchFamily="34" charset="-122"/>
+              </a:rPr>
+              <a:t>()</a:t>
+            </a:r>
+            <a:r>
+              <a:rPr lang="zh-CN" altLang="en-US" sz="2000" dirty="0" smtClean="0">
+                <a:latin typeface="微软雅黑" panose="020B0503020204020204" pitchFamily="34" charset="-122"/>
+                <a:ea typeface="微软雅黑" panose="020B0503020204020204" pitchFamily="34" charset="-122"/>
+              </a:rPr>
+              <a:t>返回所有的断点。每个断点用一个</a:t>
+            </a:r>
+            <a:r>
+              <a:rPr lang="en-US" altLang="zh-CN" sz="2000" dirty="0" smtClean="0">
+                <a:latin typeface="微软雅黑" panose="020B0503020204020204" pitchFamily="34" charset="-122"/>
+                <a:ea typeface="微软雅黑" panose="020B0503020204020204" pitchFamily="34" charset="-122"/>
+              </a:rPr>
+              <a:t>Breakpoint</a:t>
+            </a:r>
+            <a:r>
+              <a:rPr lang="zh-CN" altLang="en-US" sz="2000" dirty="0" smtClean="0">
+                <a:latin typeface="微软雅黑" panose="020B0503020204020204" pitchFamily="34" charset="-122"/>
+                <a:ea typeface="微软雅黑" panose="020B0503020204020204" pitchFamily="34" charset="-122"/>
+              </a:rPr>
+              <a:t>对象表示</a:t>
+            </a:r>
+            <a:endParaRPr lang="en-US" altLang="zh-CN" sz="2000" dirty="0" smtClean="0">
+              <a:latin typeface="微软雅黑" panose="020B0503020204020204" pitchFamily="34" charset="-122"/>
+              <a:ea typeface="微软雅黑" panose="020B0503020204020204" pitchFamily="34" charset="-122"/>
+            </a:endParaRPr>
+          </a:p>
+          <a:p>
+            <a:r>
+              <a:rPr lang="en-US" altLang="zh-CN" sz="2000" dirty="0" smtClean="0">
+                <a:latin typeface="微软雅黑" panose="020B0503020204020204" pitchFamily="34" charset="-122"/>
+                <a:ea typeface="微软雅黑" panose="020B0503020204020204" pitchFamily="34" charset="-122"/>
+              </a:rPr>
+              <a:t>location</a:t>
+            </a:r>
+            <a:r>
+              <a:rPr lang="zh-CN" altLang="en-US" sz="2000" dirty="0" smtClean="0">
+                <a:latin typeface="微软雅黑" panose="020B0503020204020204" pitchFamily="34" charset="-122"/>
+                <a:ea typeface="微软雅黑" panose="020B0503020204020204" pitchFamily="34" charset="-122"/>
+              </a:rPr>
+              <a:t>是</a:t>
+            </a:r>
+            <a:r>
+              <a:rPr lang="en-US" altLang="zh-CN" sz="2000" dirty="0" smtClean="0">
+                <a:latin typeface="微软雅黑" panose="020B0503020204020204" pitchFamily="34" charset="-122"/>
+                <a:ea typeface="微软雅黑" panose="020B0503020204020204" pitchFamily="34" charset="-122"/>
+              </a:rPr>
+              <a:t>Breakpoint</a:t>
+            </a:r>
+            <a:r>
+              <a:rPr lang="zh-CN" altLang="en-US" sz="2000" dirty="0" smtClean="0">
+                <a:latin typeface="微软雅黑" panose="020B0503020204020204" pitchFamily="34" charset="-122"/>
+                <a:ea typeface="微软雅黑" panose="020B0503020204020204" pitchFamily="34" charset="-122"/>
+              </a:rPr>
+              <a:t>对象的属性，表示打断点的位置</a:t>
+            </a:r>
+            <a:endParaRPr lang="en-US" altLang="zh-CN" sz="2000" dirty="0" smtClean="0">
+              <a:latin typeface="微软雅黑" panose="020B0503020204020204" pitchFamily="34" charset="-122"/>
+              <a:ea typeface="微软雅黑" panose="020B0503020204020204" pitchFamily="34" charset="-122"/>
+            </a:endParaRPr>
+          </a:p>
+          <a:p>
             <a:endParaRPr lang="zh-CN" altLang="en-US" dirty="0"/>
           </a:p>
         </p:txBody>
@@ -4667,14 +5566,682 @@
           <a:bodyPr/>
           <a:lstStyle/>
           <a:p>
-            <a:r>
-              <a:rPr lang="en-US" altLang="zh-CN" dirty="0" smtClean="0"/>
-              <a:t>Thank You</a:t>
+            <a:pPr algn="l"/>
+            <a:r>
+              <a:rPr lang="zh-CN" altLang="en-US" dirty="0" smtClean="0">
+                <a:latin typeface="微软雅黑" panose="020B0503020204020204" pitchFamily="34" charset="-122"/>
+                <a:ea typeface="微软雅黑" panose="020B0503020204020204" pitchFamily="34" charset="-122"/>
+              </a:rPr>
+              <a:t>加载</a:t>
+            </a:r>
+            <a:r>
+              <a:rPr lang="en-US" altLang="zh-CN" dirty="0" err="1" smtClean="0">
+                <a:latin typeface="微软雅黑" panose="020B0503020204020204" pitchFamily="34" charset="-122"/>
+                <a:ea typeface="微软雅黑" panose="020B0503020204020204" pitchFamily="34" charset="-122"/>
+              </a:rPr>
+              <a:t>gdb</a:t>
+            </a:r>
+            <a:r>
+              <a:rPr lang="zh-CN" altLang="en-US" dirty="0" smtClean="0">
+                <a:latin typeface="微软雅黑" panose="020B0503020204020204" pitchFamily="34" charset="-122"/>
+                <a:ea typeface="微软雅黑" panose="020B0503020204020204" pitchFamily="34" charset="-122"/>
+              </a:rPr>
+              <a:t>脚本</a:t>
             </a:r>
             <a:endParaRPr lang="zh-CN" altLang="en-US" dirty="0"/>
           </a:p>
         </p:txBody>
       </p:sp>
+      <p:sp>
+        <p:nvSpPr>
+          <p:cNvPr id="3" name="内容占位符 2"/>
+          <p:cNvSpPr>
+            <a:spLocks noGrp="1"/>
+          </p:cNvSpPr>
+          <p:nvPr>
+            <p:ph idx="1"/>
+          </p:nvPr>
+        </p:nvSpPr>
+        <p:spPr/>
+        <p:txBody>
+          <a:bodyPr/>
+          <a:lstStyle/>
+          <a:p>
+            <a:r>
+              <a:rPr lang="en-US" altLang="zh-CN" sz="2000" dirty="0" smtClean="0">
+                <a:latin typeface="微软雅黑" panose="020B0503020204020204" pitchFamily="34" charset="-122"/>
+                <a:ea typeface="微软雅黑" panose="020B0503020204020204" pitchFamily="34" charset="-122"/>
+              </a:rPr>
+              <a:t>source script-path</a:t>
+            </a:r>
+          </a:p>
+          <a:p>
+            <a:pPr lvl="1"/>
+            <a:r>
+              <a:rPr lang="zh-CN" altLang="en-US" sz="2000" dirty="0" smtClean="0">
+                <a:latin typeface="微软雅黑" panose="020B0503020204020204" pitchFamily="34" charset="-122"/>
+                <a:ea typeface="微软雅黑" panose="020B0503020204020204" pitchFamily="34" charset="-122"/>
+              </a:rPr>
+              <a:t>加载</a:t>
+            </a:r>
+            <a:r>
+              <a:rPr lang="en-US" altLang="zh-CN" sz="2000" dirty="0" err="1" smtClean="0">
+                <a:latin typeface="微软雅黑" panose="020B0503020204020204" pitchFamily="34" charset="-122"/>
+                <a:ea typeface="微软雅黑" panose="020B0503020204020204" pitchFamily="34" charset="-122"/>
+              </a:rPr>
+              <a:t>gdb</a:t>
+            </a:r>
+            <a:r>
+              <a:rPr lang="zh-CN" altLang="en-US" sz="2000" dirty="0" smtClean="0">
+                <a:latin typeface="微软雅黑" panose="020B0503020204020204" pitchFamily="34" charset="-122"/>
+                <a:ea typeface="微软雅黑" panose="020B0503020204020204" pitchFamily="34" charset="-122"/>
+              </a:rPr>
+              <a:t>脚本或</a:t>
+            </a:r>
+            <a:r>
+              <a:rPr lang="en-US" altLang="zh-CN" sz="2000" dirty="0" smtClean="0">
+                <a:latin typeface="微软雅黑" panose="020B0503020204020204" pitchFamily="34" charset="-122"/>
+                <a:ea typeface="微软雅黑" panose="020B0503020204020204" pitchFamily="34" charset="-122"/>
+              </a:rPr>
+              <a:t>python</a:t>
+            </a:r>
+            <a:r>
+              <a:rPr lang="zh-CN" altLang="en-US" sz="2000" dirty="0" smtClean="0">
+                <a:latin typeface="微软雅黑" panose="020B0503020204020204" pitchFamily="34" charset="-122"/>
+                <a:ea typeface="微软雅黑" panose="020B0503020204020204" pitchFamily="34" charset="-122"/>
+              </a:rPr>
+              <a:t>脚本</a:t>
+            </a:r>
+            <a:endParaRPr lang="en-US" altLang="zh-CN" sz="2000" dirty="0" smtClean="0">
+              <a:latin typeface="微软雅黑" panose="020B0503020204020204" pitchFamily="34" charset="-122"/>
+              <a:ea typeface="微软雅黑" panose="020B0503020204020204" pitchFamily="34" charset="-122"/>
+            </a:endParaRPr>
+          </a:p>
+          <a:p>
+            <a:pPr lvl="1"/>
+            <a:r>
+              <a:rPr lang="zh-CN" altLang="en-US" sz="2000" dirty="0" smtClean="0">
+                <a:latin typeface="微软雅黑" panose="020B0503020204020204" pitchFamily="34" charset="-122"/>
+                <a:ea typeface="微软雅黑" panose="020B0503020204020204" pitchFamily="34" charset="-122"/>
+              </a:rPr>
+              <a:t>通过</a:t>
+            </a:r>
+            <a:r>
+              <a:rPr lang="en-US" altLang="zh-CN" sz="2000" dirty="0" smtClean="0">
+                <a:latin typeface="微软雅黑" panose="020B0503020204020204" pitchFamily="34" charset="-122"/>
+                <a:ea typeface="微软雅黑" panose="020B0503020204020204" pitchFamily="34" charset="-122"/>
+              </a:rPr>
+              <a:t>.</a:t>
+            </a:r>
+            <a:r>
+              <a:rPr lang="en-US" altLang="zh-CN" sz="2000" dirty="0" err="1" smtClean="0">
+                <a:latin typeface="微软雅黑" panose="020B0503020204020204" pitchFamily="34" charset="-122"/>
+                <a:ea typeface="微软雅黑" panose="020B0503020204020204" pitchFamily="34" charset="-122"/>
+              </a:rPr>
+              <a:t>gdbinit</a:t>
+            </a:r>
+            <a:r>
+              <a:rPr lang="zh-CN" altLang="en-US" sz="2000" dirty="0" smtClean="0">
+                <a:latin typeface="微软雅黑" panose="020B0503020204020204" pitchFamily="34" charset="-122"/>
+                <a:ea typeface="微软雅黑" panose="020B0503020204020204" pitchFamily="34" charset="-122"/>
+              </a:rPr>
+              <a:t>自动加载</a:t>
+            </a:r>
+            <a:endParaRPr lang="en-US" altLang="zh-CN" sz="2000" dirty="0" smtClean="0">
+              <a:latin typeface="微软雅黑" panose="020B0503020204020204" pitchFamily="34" charset="-122"/>
+              <a:ea typeface="微软雅黑" panose="020B0503020204020204" pitchFamily="34" charset="-122"/>
+            </a:endParaRPr>
+          </a:p>
+          <a:p>
+            <a:endParaRPr lang="en-US" altLang="zh-CN" sz="2000" dirty="0" smtClean="0">
+              <a:latin typeface="微软雅黑" panose="020B0503020204020204" pitchFamily="34" charset="-122"/>
+              <a:ea typeface="微软雅黑" panose="020B0503020204020204" pitchFamily="34" charset="-122"/>
+            </a:endParaRPr>
+          </a:p>
+          <a:p>
+            <a:r>
+              <a:rPr lang="en-US" altLang="zh-CN" sz="2000" dirty="0" smtClean="0">
+                <a:latin typeface="微软雅黑" panose="020B0503020204020204" pitchFamily="34" charset="-122"/>
+                <a:ea typeface="微软雅黑" panose="020B0503020204020204" pitchFamily="34" charset="-122"/>
+              </a:rPr>
+              <a:t>program-</a:t>
+            </a:r>
+            <a:r>
+              <a:rPr lang="en-US" altLang="zh-CN" sz="2000" dirty="0" err="1" smtClean="0">
+                <a:latin typeface="微软雅黑" panose="020B0503020204020204" pitchFamily="34" charset="-122"/>
+                <a:ea typeface="微软雅黑" panose="020B0503020204020204" pitchFamily="34" charset="-122"/>
+              </a:rPr>
+              <a:t>gdb.py</a:t>
+            </a:r>
+            <a:endParaRPr lang="en-US" altLang="zh-CN" sz="2000" dirty="0" smtClean="0">
+              <a:latin typeface="微软雅黑" panose="020B0503020204020204" pitchFamily="34" charset="-122"/>
+              <a:ea typeface="微软雅黑" panose="020B0503020204020204" pitchFamily="34" charset="-122"/>
+            </a:endParaRPr>
+          </a:p>
+          <a:p>
+            <a:pPr lvl="1"/>
+            <a:r>
+              <a:rPr lang="zh-CN" altLang="en-US" sz="2000" dirty="0" smtClean="0">
+                <a:latin typeface="微软雅黑" panose="020B0503020204020204" pitchFamily="34" charset="-122"/>
+                <a:ea typeface="微软雅黑" panose="020B0503020204020204" pitchFamily="34" charset="-122"/>
+              </a:rPr>
+              <a:t>自动加载带有</a:t>
+            </a:r>
+            <a:r>
+              <a:rPr lang="en-US" altLang="zh-CN" sz="2000" dirty="0" smtClean="0">
+                <a:latin typeface="微软雅黑" panose="020B0503020204020204" pitchFamily="34" charset="-122"/>
+                <a:ea typeface="微软雅黑" panose="020B0503020204020204" pitchFamily="34" charset="-122"/>
+              </a:rPr>
+              <a:t>-</a:t>
+            </a:r>
+            <a:r>
+              <a:rPr lang="en-US" altLang="zh-CN" sz="2000" dirty="0" err="1" smtClean="0">
+                <a:latin typeface="微软雅黑" panose="020B0503020204020204" pitchFamily="34" charset="-122"/>
+                <a:ea typeface="微软雅黑" panose="020B0503020204020204" pitchFamily="34" charset="-122"/>
+              </a:rPr>
+              <a:t>gdb.py</a:t>
+            </a:r>
+            <a:r>
+              <a:rPr lang="zh-CN" altLang="en-US" sz="2000" dirty="0" smtClean="0">
+                <a:latin typeface="微软雅黑" panose="020B0503020204020204" pitchFamily="34" charset="-122"/>
+                <a:ea typeface="微软雅黑" panose="020B0503020204020204" pitchFamily="34" charset="-122"/>
+              </a:rPr>
+              <a:t>的脚本</a:t>
+            </a:r>
+            <a:endParaRPr lang="en-US" altLang="zh-CN" sz="2000" dirty="0" smtClean="0">
+              <a:latin typeface="微软雅黑" panose="020B0503020204020204" pitchFamily="34" charset="-122"/>
+              <a:ea typeface="微软雅黑" panose="020B0503020204020204" pitchFamily="34" charset="-122"/>
+            </a:endParaRPr>
+          </a:p>
+          <a:p>
+            <a:endParaRPr lang="en-US" altLang="zh-CN" sz="2000" dirty="0" smtClean="0">
+              <a:latin typeface="微软雅黑" panose="020B0503020204020204" pitchFamily="34" charset="-122"/>
+              <a:ea typeface="微软雅黑" panose="020B0503020204020204" pitchFamily="34" charset="-122"/>
+            </a:endParaRPr>
+          </a:p>
+          <a:p>
+            <a:r>
+              <a:rPr lang="en-US" altLang="zh-CN" sz="2000" dirty="0" smtClean="0">
+                <a:latin typeface="微软雅黑" panose="020B0503020204020204" pitchFamily="34" charset="-122"/>
+                <a:ea typeface="微软雅黑" panose="020B0503020204020204" pitchFamily="34" charset="-122"/>
+              </a:rPr>
+              <a:t>add-auto-load-safe-path path</a:t>
+            </a:r>
+          </a:p>
+          <a:p>
+            <a:pPr lvl="1"/>
+            <a:r>
+              <a:rPr lang="zh-CN" altLang="en-US" sz="2000" dirty="0" smtClean="0">
+                <a:latin typeface="微软雅黑" panose="020B0503020204020204" pitchFamily="34" charset="-122"/>
+                <a:ea typeface="微软雅黑" panose="020B0503020204020204" pitchFamily="34" charset="-122"/>
+              </a:rPr>
+              <a:t>将路径添加到加载路径中</a:t>
+            </a:r>
+            <a:endParaRPr lang="en-US" altLang="zh-CN" sz="2000" dirty="0" smtClean="0">
+              <a:latin typeface="微软雅黑" panose="020B0503020204020204" pitchFamily="34" charset="-122"/>
+              <a:ea typeface="微软雅黑" panose="020B0503020204020204" pitchFamily="34" charset="-122"/>
+            </a:endParaRPr>
+          </a:p>
+          <a:p>
+            <a:endParaRPr lang="zh-CN" altLang="en-US" dirty="0"/>
+          </a:p>
+        </p:txBody>
+      </p:sp>
+    </p:spTree>
+  </p:cSld>
+  <p:clrMapOvr>
+    <a:masterClrMapping/>
+  </p:clrMapOvr>
+</p:sld>
+</file>
+
+<file path=ppt/slides/slide7.xml><?xml version="1.0" encoding="utf-8"?>
+<p:sld xmlns:a="http://schemas.openxmlformats.org/drawingml/2006/main" xmlns:r="http://schemas.openxmlformats.org/officeDocument/2006/relationships" xmlns:p="http://schemas.openxmlformats.org/presentationml/2006/main">
+  <p:cSld>
+    <p:spTree>
+      <p:nvGrpSpPr>
+        <p:cNvPr id="1" name=""/>
+        <p:cNvGrpSpPr/>
+        <p:nvPr/>
+      </p:nvGrpSpPr>
+      <p:grpSpPr>
+        <a:xfrm>
+          <a:off x="0" y="0"/>
+          <a:ext cx="0" cy="0"/>
+          <a:chOff x="0" y="0"/>
+          <a:chExt cx="0" cy="0"/>
+        </a:xfrm>
+      </p:grpSpPr>
+      <p:sp>
+        <p:nvSpPr>
+          <p:cNvPr id="2" name="标题 1"/>
+          <p:cNvSpPr>
+            <a:spLocks noGrp="1"/>
+          </p:cNvSpPr>
+          <p:nvPr>
+            <p:ph type="title"/>
+          </p:nvPr>
+        </p:nvSpPr>
+        <p:spPr/>
+        <p:txBody>
+          <a:bodyPr/>
+          <a:lstStyle/>
+          <a:p>
+            <a:pPr algn="l"/>
+            <a:r>
+              <a:rPr lang="zh-CN" altLang="en-US" dirty="0" smtClean="0">
+                <a:latin typeface="微软雅黑" panose="020B0503020204020204" pitchFamily="34" charset="-122"/>
+                <a:ea typeface="微软雅黑" panose="020B0503020204020204" pitchFamily="34" charset="-122"/>
+              </a:rPr>
+              <a:t>练习</a:t>
+            </a:r>
+            <a:endParaRPr lang="zh-CN" altLang="en-US" dirty="0"/>
+          </a:p>
+        </p:txBody>
+      </p:sp>
+      <p:sp>
+        <p:nvSpPr>
+          <p:cNvPr id="3" name="内容占位符 2"/>
+          <p:cNvSpPr>
+            <a:spLocks noGrp="1"/>
+          </p:cNvSpPr>
+          <p:nvPr>
+            <p:ph idx="1"/>
+          </p:nvPr>
+        </p:nvSpPr>
+        <p:spPr/>
+        <p:txBody>
+          <a:bodyPr/>
+          <a:lstStyle/>
+          <a:p>
+            <a:r>
+              <a:rPr lang="zh-CN" altLang="en-US" sz="2800" dirty="0" smtClean="0">
+                <a:latin typeface="微软雅黑" panose="020B0503020204020204" pitchFamily="34" charset="-122"/>
+                <a:ea typeface="微软雅黑" panose="020B0503020204020204" pitchFamily="34" charset="-122"/>
+              </a:rPr>
+              <a:t>实现一个命令，可以打印出当前函数的名字</a:t>
+            </a:r>
+          </a:p>
+          <a:p>
+            <a:endParaRPr lang="zh-CN" altLang="en-US" dirty="0"/>
+          </a:p>
+        </p:txBody>
+      </p:sp>
+    </p:spTree>
+  </p:cSld>
+  <p:clrMapOvr>
+    <a:masterClrMapping/>
+  </p:clrMapOvr>
+</p:sld>
+</file>
+
+<file path=ppt/slides/slide8.xml><?xml version="1.0" encoding="utf-8"?>
+<p:sld xmlns:a="http://schemas.openxmlformats.org/drawingml/2006/main" xmlns:r="http://schemas.openxmlformats.org/officeDocument/2006/relationships" xmlns:p="http://schemas.openxmlformats.org/presentationml/2006/main">
+  <p:cSld>
+    <p:spTree>
+      <p:nvGrpSpPr>
+        <p:cNvPr id="1" name=""/>
+        <p:cNvGrpSpPr/>
+        <p:nvPr/>
+      </p:nvGrpSpPr>
+      <p:grpSpPr>
+        <a:xfrm>
+          <a:off x="0" y="0"/>
+          <a:ext cx="0" cy="0"/>
+          <a:chOff x="0" y="0"/>
+          <a:chExt cx="0" cy="0"/>
+        </a:xfrm>
+      </p:grpSpPr>
+      <p:sp>
+        <p:nvSpPr>
+          <p:cNvPr id="2" name="标题 1"/>
+          <p:cNvSpPr>
+            <a:spLocks noGrp="1"/>
+          </p:cNvSpPr>
+          <p:nvPr>
+            <p:ph type="title"/>
+          </p:nvPr>
+        </p:nvSpPr>
+        <p:spPr/>
+        <p:txBody>
+          <a:bodyPr/>
+          <a:lstStyle/>
+          <a:p>
+            <a:pPr algn="l"/>
+            <a:r>
+              <a:rPr lang="zh-CN" altLang="en-US" dirty="0" smtClean="0">
+                <a:latin typeface="微软雅黑" panose="020B0503020204020204" pitchFamily="34" charset="-122"/>
+                <a:ea typeface="微软雅黑" panose="020B0503020204020204" pitchFamily="34" charset="-122"/>
+              </a:rPr>
+              <a:t>实现</a:t>
+            </a:r>
+            <a:r>
+              <a:rPr lang="en-US" altLang="zh-CN" dirty="0" err="1" smtClean="0">
+                <a:latin typeface="微软雅黑" panose="020B0503020204020204" pitchFamily="34" charset="-122"/>
+                <a:ea typeface="微软雅黑" panose="020B0503020204020204" pitchFamily="34" charset="-122"/>
+              </a:rPr>
+              <a:t>xmlNode</a:t>
+            </a:r>
+            <a:r>
+              <a:rPr lang="zh-CN" altLang="en-US" dirty="0" smtClean="0">
+                <a:latin typeface="微软雅黑" panose="020B0503020204020204" pitchFamily="34" charset="-122"/>
+                <a:ea typeface="微软雅黑" panose="020B0503020204020204" pitchFamily="34" charset="-122"/>
+              </a:rPr>
+              <a:t>的</a:t>
+            </a:r>
+            <a:r>
+              <a:rPr lang="en-US" altLang="zh-CN" dirty="0" smtClean="0">
+                <a:latin typeface="微软雅黑" panose="020B0503020204020204" pitchFamily="34" charset="-122"/>
+                <a:ea typeface="微软雅黑" panose="020B0503020204020204" pitchFamily="34" charset="-122"/>
+              </a:rPr>
+              <a:t>pretty-printer</a:t>
+            </a:r>
+            <a:endParaRPr lang="zh-CN" altLang="en-US" dirty="0"/>
+          </a:p>
+        </p:txBody>
+      </p:sp>
+      <p:sp>
+        <p:nvSpPr>
+          <p:cNvPr id="3" name="内容占位符 2"/>
+          <p:cNvSpPr>
+            <a:spLocks noGrp="1"/>
+          </p:cNvSpPr>
+          <p:nvPr>
+            <p:ph idx="1"/>
+          </p:nvPr>
+        </p:nvSpPr>
+        <p:spPr/>
+        <p:txBody>
+          <a:bodyPr/>
+          <a:lstStyle/>
+          <a:p>
+            <a:r>
+              <a:rPr lang="zh-CN" altLang="en-US" dirty="0" smtClean="0">
+                <a:latin typeface="微软雅黑" panose="020B0503020204020204" pitchFamily="34" charset="-122"/>
+                <a:ea typeface="微软雅黑" panose="020B0503020204020204" pitchFamily="34" charset="-122"/>
+              </a:rPr>
+              <a:t>什么是</a:t>
+            </a:r>
+            <a:r>
+              <a:rPr lang="en-US" altLang="zh-CN" dirty="0" smtClean="0">
+                <a:latin typeface="微软雅黑" panose="020B0503020204020204" pitchFamily="34" charset="-122"/>
+                <a:ea typeface="微软雅黑" panose="020B0503020204020204" pitchFamily="34" charset="-122"/>
+              </a:rPr>
+              <a:t>pretty-printer</a:t>
+            </a:r>
+          </a:p>
+          <a:p>
+            <a:endParaRPr lang="zh-CN" altLang="en-US" dirty="0"/>
+          </a:p>
+        </p:txBody>
+      </p:sp>
+      <p:pic>
+        <p:nvPicPr>
+          <p:cNvPr id="4" name="图片 3"/>
+          <p:cNvPicPr>
+            <a:picLocks noChangeAspect="1"/>
+          </p:cNvPicPr>
+          <p:nvPr/>
+        </p:nvPicPr>
+        <p:blipFill>
+          <a:blip r:embed="rId2" cstate="print"/>
+          <a:stretch>
+            <a:fillRect/>
+          </a:stretch>
+        </p:blipFill>
+        <p:spPr>
+          <a:xfrm>
+            <a:off x="683568" y="2348880"/>
+            <a:ext cx="7536611" cy="1576536"/>
+          </a:xfrm>
+          <a:prstGeom prst="rect">
+            <a:avLst/>
+          </a:prstGeom>
+        </p:spPr>
+      </p:pic>
+      <p:pic>
+        <p:nvPicPr>
+          <p:cNvPr id="5" name="图片 4"/>
+          <p:cNvPicPr>
+            <a:picLocks noChangeAspect="1"/>
+          </p:cNvPicPr>
+          <p:nvPr/>
+        </p:nvPicPr>
+        <p:blipFill>
+          <a:blip r:embed="rId3" cstate="print"/>
+          <a:stretch>
+            <a:fillRect/>
+          </a:stretch>
+        </p:blipFill>
+        <p:spPr>
+          <a:xfrm>
+            <a:off x="683568" y="4581128"/>
+            <a:ext cx="5616624" cy="1350562"/>
+          </a:xfrm>
+          <a:prstGeom prst="rect">
+            <a:avLst/>
+          </a:prstGeom>
+        </p:spPr>
+        <p:style>
+          <a:lnRef idx="2">
+            <a:schemeClr val="dk1"/>
+          </a:lnRef>
+          <a:fillRef idx="1">
+            <a:schemeClr val="lt1"/>
+          </a:fillRef>
+          <a:effectRef idx="0">
+            <a:schemeClr val="dk1"/>
+          </a:effectRef>
+          <a:fontRef idx="minor">
+            <a:schemeClr val="dk1"/>
+          </a:fontRef>
+        </p:style>
+      </p:pic>
+    </p:spTree>
+  </p:cSld>
+  <p:clrMapOvr>
+    <a:masterClrMapping/>
+  </p:clrMapOvr>
+</p:sld>
+</file>
+
+<file path=ppt/slides/slide9.xml><?xml version="1.0" encoding="utf-8"?>
+<p:sld xmlns:a="http://schemas.openxmlformats.org/drawingml/2006/main" xmlns:r="http://schemas.openxmlformats.org/officeDocument/2006/relationships" xmlns:p="http://schemas.openxmlformats.org/presentationml/2006/main">
+  <p:cSld>
+    <p:spTree>
+      <p:nvGrpSpPr>
+        <p:cNvPr id="1" name=""/>
+        <p:cNvGrpSpPr/>
+        <p:nvPr/>
+      </p:nvGrpSpPr>
+      <p:grpSpPr>
+        <a:xfrm>
+          <a:off x="0" y="0"/>
+          <a:ext cx="0" cy="0"/>
+          <a:chOff x="0" y="0"/>
+          <a:chExt cx="0" cy="0"/>
+        </a:xfrm>
+      </p:grpSpPr>
+      <p:sp>
+        <p:nvSpPr>
+          <p:cNvPr id="2" name="标题 1"/>
+          <p:cNvSpPr>
+            <a:spLocks noGrp="1"/>
+          </p:cNvSpPr>
+          <p:nvPr>
+            <p:ph type="title"/>
+          </p:nvPr>
+        </p:nvSpPr>
+        <p:spPr/>
+        <p:txBody>
+          <a:bodyPr/>
+          <a:lstStyle/>
+          <a:p>
+            <a:pPr algn="l"/>
+            <a:r>
+              <a:rPr lang="zh-CN" altLang="en-US" dirty="0" smtClean="0">
+                <a:latin typeface="微软雅黑" panose="020B0503020204020204" pitchFamily="34" charset="-122"/>
+                <a:ea typeface="微软雅黑" panose="020B0503020204020204" pitchFamily="34" charset="-122"/>
+              </a:rPr>
+              <a:t>实现</a:t>
+            </a:r>
+            <a:r>
+              <a:rPr lang="en-US" altLang="zh-CN" dirty="0" smtClean="0">
+                <a:latin typeface="微软雅黑" panose="020B0503020204020204" pitchFamily="34" charset="-122"/>
+                <a:ea typeface="微软雅黑" panose="020B0503020204020204" pitchFamily="34" charset="-122"/>
+              </a:rPr>
+              <a:t>string</a:t>
+            </a:r>
+            <a:r>
+              <a:rPr lang="zh-CN" altLang="en-US" dirty="0" smtClean="0">
+                <a:latin typeface="微软雅黑" panose="020B0503020204020204" pitchFamily="34" charset="-122"/>
+                <a:ea typeface="微软雅黑" panose="020B0503020204020204" pitchFamily="34" charset="-122"/>
+              </a:rPr>
+              <a:t>的</a:t>
+            </a:r>
+            <a:r>
+              <a:rPr lang="en-US" altLang="zh-CN" dirty="0" smtClean="0">
+                <a:latin typeface="微软雅黑" panose="020B0503020204020204" pitchFamily="34" charset="-122"/>
+                <a:ea typeface="微软雅黑" panose="020B0503020204020204" pitchFamily="34" charset="-122"/>
+              </a:rPr>
+              <a:t>pretty-printer</a:t>
+            </a:r>
+            <a:endParaRPr lang="zh-CN" altLang="en-US" dirty="0"/>
+          </a:p>
+        </p:txBody>
+      </p:sp>
+      <p:sp>
+        <p:nvSpPr>
+          <p:cNvPr id="3" name="内容占位符 2"/>
+          <p:cNvSpPr>
+            <a:spLocks noGrp="1"/>
+          </p:cNvSpPr>
+          <p:nvPr>
+            <p:ph idx="1"/>
+          </p:nvPr>
+        </p:nvSpPr>
+        <p:spPr/>
+        <p:txBody>
+          <a:bodyPr/>
+          <a:lstStyle/>
+          <a:p>
+            <a:r>
+              <a:rPr lang="zh-CN" altLang="en-US" sz="2400" dirty="0" smtClean="0">
+                <a:latin typeface="微软雅黑" panose="020B0503020204020204" pitchFamily="34" charset="-122"/>
+                <a:ea typeface="微软雅黑" panose="020B0503020204020204" pitchFamily="34" charset="-122"/>
+              </a:rPr>
+              <a:t>实现一个</a:t>
+            </a:r>
+            <a:r>
+              <a:rPr lang="en-US" altLang="zh-CN" sz="2400" dirty="0" smtClean="0">
+                <a:latin typeface="微软雅黑" panose="020B0503020204020204" pitchFamily="34" charset="-122"/>
+                <a:ea typeface="微软雅黑" panose="020B0503020204020204" pitchFamily="34" charset="-122"/>
+              </a:rPr>
+              <a:t>printer</a:t>
+            </a:r>
+            <a:r>
+              <a:rPr lang="zh-CN" altLang="en-US" sz="2400" dirty="0" smtClean="0">
+                <a:latin typeface="微软雅黑" panose="020B0503020204020204" pitchFamily="34" charset="-122"/>
+                <a:ea typeface="微软雅黑" panose="020B0503020204020204" pitchFamily="34" charset="-122"/>
+              </a:rPr>
+              <a:t>类</a:t>
+            </a:r>
+            <a:endParaRPr lang="en-US" altLang="zh-CN" sz="2400" dirty="0" smtClean="0">
+              <a:latin typeface="微软雅黑" panose="020B0503020204020204" pitchFamily="34" charset="-122"/>
+              <a:ea typeface="微软雅黑" panose="020B0503020204020204" pitchFamily="34" charset="-122"/>
+            </a:endParaRPr>
+          </a:p>
+          <a:p>
+            <a:endParaRPr lang="en-US" altLang="zh-CN" sz="2400" dirty="0" smtClean="0">
+              <a:latin typeface="微软雅黑" panose="020B0503020204020204" pitchFamily="34" charset="-122"/>
+              <a:ea typeface="微软雅黑" panose="020B0503020204020204" pitchFamily="34" charset="-122"/>
+            </a:endParaRPr>
+          </a:p>
+          <a:p>
+            <a:endParaRPr lang="en-US" altLang="zh-CN" sz="2400" dirty="0" smtClean="0">
+              <a:latin typeface="微软雅黑" panose="020B0503020204020204" pitchFamily="34" charset="-122"/>
+              <a:ea typeface="微软雅黑" panose="020B0503020204020204" pitchFamily="34" charset="-122"/>
+            </a:endParaRPr>
+          </a:p>
+          <a:p>
+            <a:endParaRPr lang="en-US" altLang="zh-CN" sz="2400" dirty="0" smtClean="0">
+              <a:latin typeface="微软雅黑" panose="020B0503020204020204" pitchFamily="34" charset="-122"/>
+              <a:ea typeface="微软雅黑" panose="020B0503020204020204" pitchFamily="34" charset="-122"/>
+            </a:endParaRPr>
+          </a:p>
+          <a:p>
+            <a:endParaRPr lang="en-US" altLang="zh-CN" sz="2400" dirty="0" smtClean="0">
+              <a:latin typeface="微软雅黑" panose="020B0503020204020204" pitchFamily="34" charset="-122"/>
+              <a:ea typeface="微软雅黑" panose="020B0503020204020204" pitchFamily="34" charset="-122"/>
+            </a:endParaRPr>
+          </a:p>
+          <a:p>
+            <a:r>
+              <a:rPr lang="zh-CN" altLang="en-US" sz="2400" dirty="0" smtClean="0">
+                <a:latin typeface="微软雅黑" panose="020B0503020204020204" pitchFamily="34" charset="-122"/>
+                <a:ea typeface="微软雅黑" panose="020B0503020204020204" pitchFamily="34" charset="-122"/>
+              </a:rPr>
+              <a:t>注册</a:t>
+            </a:r>
+            <a:r>
+              <a:rPr lang="en-US" altLang="zh-CN" sz="2400" dirty="0" smtClean="0">
+                <a:latin typeface="微软雅黑" panose="020B0503020204020204" pitchFamily="34" charset="-122"/>
+                <a:ea typeface="微软雅黑" panose="020B0503020204020204" pitchFamily="34" charset="-122"/>
+              </a:rPr>
+              <a:t>pretty-printer</a:t>
+            </a:r>
+            <a:endParaRPr lang="zh-CN" altLang="en-US" sz="2400" dirty="0"/>
+          </a:p>
+        </p:txBody>
+      </p:sp>
+      <p:pic>
+        <p:nvPicPr>
+          <p:cNvPr id="4" name="图片 3"/>
+          <p:cNvPicPr>
+            <a:picLocks noChangeAspect="1"/>
+          </p:cNvPicPr>
+          <p:nvPr/>
+        </p:nvPicPr>
+        <p:blipFill>
+          <a:blip r:embed="rId2" cstate="print"/>
+          <a:stretch>
+            <a:fillRect/>
+          </a:stretch>
+        </p:blipFill>
+        <p:spPr>
+          <a:xfrm>
+            <a:off x="683568" y="2132856"/>
+            <a:ext cx="5552594" cy="1624079"/>
+          </a:xfrm>
+          <a:prstGeom prst="rect">
+            <a:avLst/>
+          </a:prstGeom>
+        </p:spPr>
+      </p:pic>
+      <p:pic>
+        <p:nvPicPr>
+          <p:cNvPr id="5" name="图片 4"/>
+          <p:cNvPicPr>
+            <a:picLocks noChangeAspect="1"/>
+          </p:cNvPicPr>
+          <p:nvPr/>
+        </p:nvPicPr>
+        <p:blipFill>
+          <a:blip r:embed="rId3" cstate="print"/>
+          <a:stretch>
+            <a:fillRect/>
+          </a:stretch>
+        </p:blipFill>
+        <p:spPr>
+          <a:xfrm>
+            <a:off x="683567" y="4509120"/>
+            <a:ext cx="7690653" cy="1440160"/>
+          </a:xfrm>
+          <a:prstGeom prst="rect">
+            <a:avLst/>
+          </a:prstGeom>
+        </p:spPr>
+      </p:pic>
     </p:spTree>
   </p:cSld>
   <p:clrMapOvr>
